--- a/Trabajo final/El efecto de la Asistencia Oficial para el desarrollo.pptx
+++ b/Trabajo final/El efecto de la Asistencia Oficial para el desarrollo.pptx
@@ -354,7 +354,7 @@
             <a:fld id="{5586B75A-687E-405C-8A0B-8D00578BA2C3}" type="datetimeFigureOut">
               <a:rPr lang="en-US" dirty="0"/>
               <a:pPr/>
-              <a:t>9/16/2024</a:t>
+              <a:t>9/17/2024</a:t>
             </a:fld>
             <a:endParaRPr lang="en-US" dirty="0"/>
           </a:p>
@@ -397,7 +397,7 @@
             <a:fld id="{4FAB73BC-B049-4115-A692-8D63A059BFB8}" type="slidenum">
               <a:rPr lang="en-US" dirty="0"/>
               <a:pPr/>
-              <a:t>‹#›</a:t>
+              <a:t>‹Nº›</a:t>
             </a:fld>
             <a:endParaRPr lang="en-US" dirty="0"/>
           </a:p>
@@ -521,7 +521,7 @@
             <a:fld id="{5586B75A-687E-405C-8A0B-8D00578BA2C3}" type="datetimeFigureOut">
               <a:rPr lang="en-US" dirty="0"/>
               <a:pPr/>
-              <a:t>9/16/2024</a:t>
+              <a:t>9/17/2024</a:t>
             </a:fld>
             <a:endParaRPr lang="en-US" dirty="0"/>
           </a:p>
@@ -564,7 +564,7 @@
             <a:fld id="{4FAB73BC-B049-4115-A692-8D63A059BFB8}" type="slidenum">
               <a:rPr lang="en-US" dirty="0"/>
               <a:pPr/>
-              <a:t>‹#›</a:t>
+              <a:t>‹Nº›</a:t>
             </a:fld>
             <a:endParaRPr lang="en-US" dirty="0"/>
           </a:p>
@@ -698,7 +698,7 @@
             <a:fld id="{5586B75A-687E-405C-8A0B-8D00578BA2C3}" type="datetimeFigureOut">
               <a:rPr lang="en-US" dirty="0"/>
               <a:pPr/>
-              <a:t>9/16/2024</a:t>
+              <a:t>9/17/2024</a:t>
             </a:fld>
             <a:endParaRPr lang="en-US" dirty="0"/>
           </a:p>
@@ -741,7 +741,7 @@
             <a:fld id="{4FAB73BC-B049-4115-A692-8D63A059BFB8}" type="slidenum">
               <a:rPr lang="en-US" dirty="0"/>
               <a:pPr/>
-              <a:t>‹#›</a:t>
+              <a:t>‹Nº›</a:t>
             </a:fld>
             <a:endParaRPr lang="en-US" dirty="0"/>
           </a:p>
@@ -865,7 +865,7 @@
             <a:fld id="{5586B75A-687E-405C-8A0B-8D00578BA2C3}" type="datetimeFigureOut">
               <a:rPr lang="en-US" dirty="0"/>
               <a:pPr/>
-              <a:t>9/16/2024</a:t>
+              <a:t>9/17/2024</a:t>
             </a:fld>
             <a:endParaRPr lang="en-US" dirty="0"/>
           </a:p>
@@ -908,7 +908,7 @@
             <a:fld id="{4FAB73BC-B049-4115-A692-8D63A059BFB8}" type="slidenum">
               <a:rPr lang="en-US" dirty="0"/>
               <a:pPr/>
-              <a:t>‹#›</a:t>
+              <a:t>‹Nº›</a:t>
             </a:fld>
             <a:endParaRPr lang="en-US" dirty="0"/>
           </a:p>
@@ -1120,7 +1120,7 @@
             <a:fld id="{5586B75A-687E-405C-8A0B-8D00578BA2C3}" type="datetimeFigureOut">
               <a:rPr lang="en-US" dirty="0"/>
               <a:pPr/>
-              <a:t>9/16/2024</a:t>
+              <a:t>9/17/2024</a:t>
             </a:fld>
             <a:endParaRPr lang="en-US" dirty="0"/>
           </a:p>
@@ -1163,7 +1163,7 @@
             <a:fld id="{4FAB73BC-B049-4115-A692-8D63A059BFB8}" type="slidenum">
               <a:rPr lang="en-US" dirty="0"/>
               <a:pPr/>
-              <a:t>‹#›</a:t>
+              <a:t>‹Nº›</a:t>
             </a:fld>
             <a:endParaRPr lang="en-US" dirty="0"/>
           </a:p>
@@ -1405,7 +1405,7 @@
             <a:fld id="{5586B75A-687E-405C-8A0B-8D00578BA2C3}" type="datetimeFigureOut">
               <a:rPr lang="en-US" dirty="0"/>
               <a:pPr/>
-              <a:t>9/16/2024</a:t>
+              <a:t>9/17/2024</a:t>
             </a:fld>
             <a:endParaRPr lang="en-US" dirty="0"/>
           </a:p>
@@ -1448,7 +1448,7 @@
             <a:fld id="{4FAB73BC-B049-4115-A692-8D63A059BFB8}" type="slidenum">
               <a:rPr lang="en-US" dirty="0"/>
               <a:pPr/>
-              <a:t>‹#›</a:t>
+              <a:t>‹Nº›</a:t>
             </a:fld>
             <a:endParaRPr lang="en-US" dirty="0"/>
           </a:p>
@@ -1844,7 +1844,7 @@
             <a:fld id="{5586B75A-687E-405C-8A0B-8D00578BA2C3}" type="datetimeFigureOut">
               <a:rPr lang="en-US" dirty="0"/>
               <a:pPr/>
-              <a:t>9/16/2024</a:t>
+              <a:t>9/17/2024</a:t>
             </a:fld>
             <a:endParaRPr lang="en-US" dirty="0"/>
           </a:p>
@@ -1887,7 +1887,7 @@
             <a:fld id="{4FAB73BC-B049-4115-A692-8D63A059BFB8}" type="slidenum">
               <a:rPr lang="en-US" dirty="0"/>
               <a:pPr/>
-              <a:t>‹#›</a:t>
+              <a:t>‹Nº›</a:t>
             </a:fld>
             <a:endParaRPr lang="en-US" dirty="0"/>
           </a:p>
@@ -1959,7 +1959,7 @@
             <a:fld id="{5586B75A-687E-405C-8A0B-8D00578BA2C3}" type="datetimeFigureOut">
               <a:rPr lang="en-US" dirty="0"/>
               <a:pPr/>
-              <a:t>9/16/2024</a:t>
+              <a:t>9/17/2024</a:t>
             </a:fld>
             <a:endParaRPr lang="en-US" dirty="0"/>
           </a:p>
@@ -2002,7 +2002,7 @@
             <a:fld id="{4FAB73BC-B049-4115-A692-8D63A059BFB8}" type="slidenum">
               <a:rPr lang="en-US" dirty="0"/>
               <a:pPr/>
-              <a:t>‹#›</a:t>
+              <a:t>‹Nº›</a:t>
             </a:fld>
             <a:endParaRPr lang="en-US" dirty="0"/>
           </a:p>
@@ -2051,7 +2051,7 @@
             <a:fld id="{5586B75A-687E-405C-8A0B-8D00578BA2C3}" type="datetimeFigureOut">
               <a:rPr lang="en-US" dirty="0"/>
               <a:pPr/>
-              <a:t>9/16/2024</a:t>
+              <a:t>9/17/2024</a:t>
             </a:fld>
             <a:endParaRPr lang="en-US" dirty="0"/>
           </a:p>
@@ -2094,7 +2094,7 @@
             <a:fld id="{4FAB73BC-B049-4115-A692-8D63A059BFB8}" type="slidenum">
               <a:rPr lang="en-US" dirty="0"/>
               <a:pPr/>
-              <a:t>‹#›</a:t>
+              <a:t>‹Nº›</a:t>
             </a:fld>
             <a:endParaRPr lang="en-US" dirty="0"/>
           </a:p>
@@ -2336,7 +2336,7 @@
             <a:fld id="{5586B75A-687E-405C-8A0B-8D00578BA2C3}" type="datetimeFigureOut">
               <a:rPr lang="en-US" dirty="0"/>
               <a:pPr/>
-              <a:t>9/16/2024</a:t>
+              <a:t>9/17/2024</a:t>
             </a:fld>
             <a:endParaRPr lang="en-US" dirty="0"/>
           </a:p>
@@ -2379,7 +2379,7 @@
             <a:fld id="{4FAB73BC-B049-4115-A692-8D63A059BFB8}" type="slidenum">
               <a:rPr lang="en-US" dirty="0"/>
               <a:pPr/>
-              <a:t>‹#›</a:t>
+              <a:t>‹Nº›</a:t>
             </a:fld>
             <a:endParaRPr lang="en-US" dirty="0"/>
           </a:p>
@@ -2606,7 +2606,7 @@
             <a:fld id="{5586B75A-687E-405C-8A0B-8D00578BA2C3}" type="datetimeFigureOut">
               <a:rPr lang="en-US" dirty="0"/>
               <a:pPr/>
-              <a:t>9/16/2024</a:t>
+              <a:t>9/17/2024</a:t>
             </a:fld>
             <a:endParaRPr lang="en-US" dirty="0"/>
           </a:p>
@@ -2654,7 +2654,7 @@
             <a:fld id="{4FAB73BC-B049-4115-A692-8D63A059BFB8}" type="slidenum">
               <a:rPr lang="en-US" dirty="0"/>
               <a:pPr/>
-              <a:t>‹#›</a:t>
+              <a:t>‹Nº›</a:t>
             </a:fld>
             <a:endParaRPr lang="en-US" dirty="0"/>
           </a:p>
@@ -2900,7 +2900,7 @@
             <a:fld id="{5586B75A-687E-405C-8A0B-8D00578BA2C3}" type="datetimeFigureOut">
               <a:rPr lang="en-US" dirty="0"/>
               <a:pPr/>
-              <a:t>9/16/2024</a:t>
+              <a:t>9/17/2024</a:t>
             </a:fld>
             <a:endParaRPr lang="en-US" dirty="0"/>
           </a:p>
@@ -2978,7 +2978,7 @@
             <a:fld id="{4FAB73BC-B049-4115-A692-8D63A059BFB8}" type="slidenum">
               <a:rPr lang="en-US" dirty="0"/>
               <a:pPr/>
-              <a:t>‹#›</a:t>
+              <a:t>‹Nº›</a:t>
             </a:fld>
             <a:endParaRPr lang="en-US" dirty="0"/>
           </a:p>
@@ -4195,8 +4195,8 @@
           </a:p>
         </p:txBody>
       </p:sp>
-      <mc:AlternateContent xmlns:mc="http://schemas.openxmlformats.org/markup-compatibility/2006">
-        <mc:Choice xmlns:a14="http://schemas.microsoft.com/office/drawing/2010/main" Requires="a14">
+      <mc:AlternateContent xmlns:mc="http://schemas.openxmlformats.org/markup-compatibility/2006" xmlns:a14="http://schemas.microsoft.com/office/drawing/2010/main">
+        <mc:Choice Requires="a14">
           <p:sp>
             <p:nvSpPr>
               <p:cNvPr id="5" name="TextBox 4">
@@ -4601,7 +4601,7 @@
             </p:txBody>
           </p:sp>
         </mc:Choice>
-        <mc:Fallback>
+        <mc:Fallback xmlns="">
           <p:sp>
             <p:nvSpPr>
               <p:cNvPr id="5" name="TextBox 4">
@@ -4646,8 +4646,8 @@
           </p:sp>
         </mc:Fallback>
       </mc:AlternateContent>
-      <mc:AlternateContent xmlns:mc="http://schemas.openxmlformats.org/markup-compatibility/2006">
-        <mc:Choice xmlns:a14="http://schemas.microsoft.com/office/drawing/2010/main" Requires="a14">
+      <mc:AlternateContent xmlns:mc="http://schemas.openxmlformats.org/markup-compatibility/2006" xmlns:a14="http://schemas.microsoft.com/office/drawing/2010/main">
+        <mc:Choice Requires="a14">
           <p:sp>
             <p:nvSpPr>
               <p:cNvPr id="7" name="TextBox 6">
@@ -5052,7 +5052,7 @@
             </p:txBody>
           </p:sp>
         </mc:Choice>
-        <mc:Fallback>
+        <mc:Fallback xmlns="">
           <p:sp>
             <p:nvSpPr>
               <p:cNvPr id="7" name="TextBox 6">
@@ -5872,8 +5872,8 @@
           </a:prstGeom>
         </p:spPr>
       </p:pic>
-      <mc:AlternateContent xmlns:mc="http://schemas.openxmlformats.org/markup-compatibility/2006">
-        <mc:Choice xmlns:a14="http://schemas.microsoft.com/office/drawing/2010/main" Requires="a14">
+      <mc:AlternateContent xmlns:mc="http://schemas.openxmlformats.org/markup-compatibility/2006" xmlns:a14="http://schemas.microsoft.com/office/drawing/2010/main">
+        <mc:Choice Requires="a14">
           <p:sp>
             <p:nvSpPr>
               <p:cNvPr id="9" name="TextBox 8">
@@ -6278,7 +6278,7 @@
             </p:txBody>
           </p:sp>
         </mc:Choice>
-        <mc:Fallback>
+        <mc:Fallback xmlns="">
           <p:sp>
             <p:nvSpPr>
               <p:cNvPr id="9" name="TextBox 8">
@@ -6575,8 +6575,8 @@
           </a:prstGeom>
         </p:spPr>
       </p:pic>
-      <mc:AlternateContent xmlns:mc="http://schemas.openxmlformats.org/markup-compatibility/2006">
-        <mc:Choice xmlns:a14="http://schemas.microsoft.com/office/drawing/2010/main" Requires="a14">
+      <mc:AlternateContent xmlns:mc="http://schemas.openxmlformats.org/markup-compatibility/2006" xmlns:a14="http://schemas.microsoft.com/office/drawing/2010/main">
+        <mc:Choice Requires="a14">
           <p:sp>
             <p:nvSpPr>
               <p:cNvPr id="21" name="TextBox 20">
@@ -6981,7 +6981,7 @@
             </p:txBody>
           </p:sp>
         </mc:Choice>
-        <mc:Fallback>
+        <mc:Fallback xmlns="">
           <p:sp>
             <p:nvSpPr>
               <p:cNvPr id="21" name="TextBox 20">
@@ -8374,8 +8374,8 @@
           </a:p>
         </p:txBody>
       </p:sp>
-      <mc:AlternateContent xmlns:mc="http://schemas.openxmlformats.org/markup-compatibility/2006">
-        <mc:Choice xmlns:a14="http://schemas.microsoft.com/office/drawing/2010/main" Requires="a14">
+      <mc:AlternateContent xmlns:mc="http://schemas.openxmlformats.org/markup-compatibility/2006" xmlns:a14="http://schemas.microsoft.com/office/drawing/2010/main">
+        <mc:Choice Requires="a14">
           <p:sp>
             <p:nvSpPr>
               <p:cNvPr id="3" name="Marcador de contenido 2">
@@ -9212,7 +9212,7 @@
             </p:txBody>
           </p:sp>
         </mc:Choice>
-        <mc:Fallback>
+        <mc:Fallback xmlns="">
           <p:sp>
             <p:nvSpPr>
               <p:cNvPr id="3" name="Marcador de contenido 2">

--- a/Trabajo final/El efecto de la Asistencia Oficial para el desarrollo.pptx
+++ b/Trabajo final/El efecto de la Asistencia Oficial para el desarrollo.pptx
@@ -7250,29 +7250,49 @@
           <a:p>
             <a:pPr algn="just"/>
             <a:r>
-              <a:rPr lang="es-GT" dirty="0"/>
+              <a:rPr lang="es-GT" dirty="0">
+                <a:solidFill>
+                  <a:schemeClr val="tx1"/>
+                </a:solidFill>
+              </a:rPr>
               <a:t>Realizar estudios que utilicen diversas variables para evaluar la calidad de las instituciones tanto por individual y combinaciones de estas.</a:t>
             </a:r>
           </a:p>
           <a:p>
             <a:pPr algn="just"/>
-            <a:endParaRPr lang="es-GT" dirty="0"/>
+            <a:endParaRPr lang="es-GT" dirty="0">
+              <a:solidFill>
+                <a:schemeClr val="tx1"/>
+              </a:solidFill>
+            </a:endParaRPr>
           </a:p>
           <a:p>
             <a:pPr algn="just"/>
             <a:r>
-              <a:rPr lang="es-GT" dirty="0"/>
+              <a:rPr lang="es-GT" dirty="0">
+                <a:solidFill>
+                  <a:schemeClr val="tx1"/>
+                </a:solidFill>
+              </a:rPr>
               <a:t>Considerar la apertura al comercio como otra variable independiente</a:t>
             </a:r>
           </a:p>
           <a:p>
             <a:pPr algn="just"/>
-            <a:endParaRPr lang="es-GT" dirty="0"/>
+            <a:endParaRPr lang="es-GT" dirty="0">
+              <a:solidFill>
+                <a:schemeClr val="tx1"/>
+              </a:solidFill>
+            </a:endParaRPr>
           </a:p>
           <a:p>
             <a:pPr algn="just"/>
             <a:r>
-              <a:rPr lang="es-GT" dirty="0"/>
+              <a:rPr lang="es-GT" dirty="0">
+                <a:solidFill>
+                  <a:schemeClr val="tx1"/>
+                </a:solidFill>
+              </a:rPr>
               <a:t>Investigar el impacto de la asistencia para el desarrollo en otras áreas, como los aspectos medioambientales o en el fortalecimiento institucional de los países receptores.</a:t>
             </a:r>
           </a:p>
@@ -8097,7 +8117,7 @@
                 <a:ea typeface="Yu Gothic" panose="020B0400000000000000" pitchFamily="34" charset="-128"/>
                 <a:cs typeface="Times New Roman" panose="02020603050405020304" pitchFamily="18" charset="0"/>
               </a:rPr>
-              <a:t>Argumentos en contra de la asistencia para el desarrollo para fomentar el crecimiento económico</a:t>
+              <a:t>El papel de las instituciones en el desarrollo de los países</a:t>
             </a:r>
             <a:endParaRPr lang="es-GT" sz="2400" b="1" dirty="0"/>
           </a:p>
@@ -8193,6 +8213,9 @@
             <a:pPr algn="just"/>
             <a:r>
               <a:rPr lang="es-GT" sz="1800" dirty="0">
+                <a:solidFill>
+                  <a:schemeClr val="tx1"/>
+                </a:solidFill>
                 <a:effectLst/>
                 <a:latin typeface="Arial" panose="020B0604020202020204" pitchFamily="34" charset="0"/>
                 <a:ea typeface="Yu Gothic" panose="020B0400000000000000" pitchFamily="34" charset="-128"/>
@@ -8202,6 +8225,9 @@
             </a:r>
             <a:r>
               <a:rPr lang="es-GT" sz="1800" dirty="0" err="1">
+                <a:solidFill>
+                  <a:schemeClr val="tx1"/>
+                </a:solidFill>
                 <a:effectLst/>
                 <a:latin typeface="Arial" panose="020B0604020202020204" pitchFamily="34" charset="0"/>
                 <a:ea typeface="Yu Gothic" panose="020B0400000000000000" pitchFamily="34" charset="-128"/>
@@ -8211,6 +8237,9 @@
             </a:r>
             <a:r>
               <a:rPr lang="es-GT" sz="1800" dirty="0">
+                <a:solidFill>
+                  <a:schemeClr val="tx1"/>
+                </a:solidFill>
                 <a:effectLst/>
                 <a:latin typeface="Arial" panose="020B0604020202020204" pitchFamily="34" charset="0"/>
                 <a:ea typeface="Yu Gothic" panose="020B0400000000000000" pitchFamily="34" charset="-128"/>
@@ -8222,6 +8251,9 @@
           <a:p>
             <a:pPr algn="just"/>
             <a:endParaRPr lang="es-GT" sz="1800" dirty="0">
+              <a:solidFill>
+                <a:schemeClr val="tx1"/>
+              </a:solidFill>
               <a:effectLst/>
               <a:latin typeface="Arial" panose="020B0604020202020204" pitchFamily="34" charset="0"/>
               <a:ea typeface="Yu Gothic" panose="020B0400000000000000" pitchFamily="34" charset="-128"/>
@@ -8232,6 +8264,9 @@
             <a:pPr algn="just"/>
             <a:r>
               <a:rPr lang="es-GT" sz="1800" dirty="0" err="1">
+                <a:solidFill>
+                  <a:schemeClr val="tx1"/>
+                </a:solidFill>
                 <a:effectLst/>
                 <a:latin typeface="Arial" panose="020B0604020202020204" pitchFamily="34" charset="0"/>
                 <a:ea typeface="Yu Gothic" panose="020B0400000000000000" pitchFamily="34" charset="-128"/>
@@ -8241,6 +8276,9 @@
             </a:r>
             <a:r>
               <a:rPr lang="es-GT" sz="1800" dirty="0">
+                <a:solidFill>
+                  <a:schemeClr val="tx1"/>
+                </a:solidFill>
                 <a:effectLst/>
                 <a:latin typeface="Arial" panose="020B0604020202020204" pitchFamily="34" charset="0"/>
                 <a:ea typeface="Yu Gothic" panose="020B0400000000000000" pitchFamily="34" charset="-128"/>
@@ -8250,6 +8288,9 @@
             </a:r>
             <a:r>
               <a:rPr lang="es-GT" sz="1800" dirty="0" err="1">
+                <a:solidFill>
+                  <a:schemeClr val="tx1"/>
+                </a:solidFill>
                 <a:effectLst/>
                 <a:latin typeface="Arial" panose="020B0604020202020204" pitchFamily="34" charset="0"/>
                 <a:ea typeface="Yu Gothic" panose="020B0400000000000000" pitchFamily="34" charset="-128"/>
@@ -8259,6 +8300,9 @@
             </a:r>
             <a:r>
               <a:rPr lang="es-GT" sz="1800" dirty="0">
+                <a:solidFill>
+                  <a:schemeClr val="tx1"/>
+                </a:solidFill>
                 <a:effectLst/>
                 <a:latin typeface="Arial" panose="020B0604020202020204" pitchFamily="34" charset="0"/>
                 <a:ea typeface="Yu Gothic" panose="020B0400000000000000" pitchFamily="34" charset="-128"/>
